--- a/Slides/Football 6/Footballl_6_Lecture.pptx
+++ b/Slides/Football 6/Footballl_6_Lecture.pptx
@@ -222,7 +222,7 @@
           <a:p>
             <a:fld id="{C04E5E84-956F-4423-97B3-5936A6D8EEEE}" type="datetimeFigureOut">
               <a:rPr lang="en-US" smtClean="0"/>
-              <a:t>10/27/2019</a:t>
+              <a:t>10/28/2020</a:t>
             </a:fld>
             <a:endParaRPr lang="en-US"/>
           </a:p>
@@ -674,7 +674,7 @@
           <a:p>
             <a:fld id="{3881C039-66A3-4640-815B-3B5A8B7D868D}" type="datetimeFigureOut">
               <a:rPr lang="en-US" smtClean="0"/>
-              <a:t>10/27/2019</a:t>
+              <a:t>10/28/2020</a:t>
             </a:fld>
             <a:endParaRPr lang="en-US"/>
           </a:p>
@@ -972,7 +972,7 @@
           <a:p>
             <a:fld id="{3881C039-66A3-4640-815B-3B5A8B7D868D}" type="datetimeFigureOut">
               <a:rPr lang="en-US" smtClean="0"/>
-              <a:t>10/27/2019</a:t>
+              <a:t>10/28/2020</a:t>
             </a:fld>
             <a:endParaRPr lang="en-US"/>
           </a:p>
@@ -1164,7 +1164,7 @@
           <a:p>
             <a:fld id="{3881C039-66A3-4640-815B-3B5A8B7D868D}" type="datetimeFigureOut">
               <a:rPr lang="en-US" smtClean="0"/>
-              <a:t>10/27/2019</a:t>
+              <a:t>10/28/2020</a:t>
             </a:fld>
             <a:endParaRPr lang="en-US"/>
           </a:p>
@@ -1425,7 +1425,7 @@
           <a:p>
             <a:fld id="{3881C039-66A3-4640-815B-3B5A8B7D868D}" type="datetimeFigureOut">
               <a:rPr lang="en-US" smtClean="0"/>
-              <a:t>10/27/2019</a:t>
+              <a:t>10/28/2020</a:t>
             </a:fld>
             <a:endParaRPr lang="en-US"/>
           </a:p>
@@ -1849,7 +1849,7 @@
           <a:p>
             <a:fld id="{3881C039-66A3-4640-815B-3B5A8B7D868D}" type="datetimeFigureOut">
               <a:rPr lang="en-US" smtClean="0"/>
-              <a:t>10/27/2019</a:t>
+              <a:t>10/28/2020</a:t>
             </a:fld>
             <a:endParaRPr lang="en-US"/>
           </a:p>
@@ -2386,7 +2386,7 @@
           <a:p>
             <a:fld id="{3881C039-66A3-4640-815B-3B5A8B7D868D}" type="datetimeFigureOut">
               <a:rPr lang="en-US" smtClean="0"/>
-              <a:t>10/27/2019</a:t>
+              <a:t>10/28/2020</a:t>
             </a:fld>
             <a:endParaRPr lang="en-US"/>
           </a:p>
@@ -3250,7 +3250,7 @@
           <a:p>
             <a:fld id="{3881C039-66A3-4640-815B-3B5A8B7D868D}" type="datetimeFigureOut">
               <a:rPr lang="en-US" smtClean="0"/>
-              <a:t>10/27/2019</a:t>
+              <a:t>10/28/2020</a:t>
             </a:fld>
             <a:endParaRPr lang="en-US"/>
           </a:p>
@@ -3420,7 +3420,7 @@
           <a:p>
             <a:fld id="{3881C039-66A3-4640-815B-3B5A8B7D868D}" type="datetimeFigureOut">
               <a:rPr lang="en-US" smtClean="0"/>
-              <a:t>10/27/2019</a:t>
+              <a:t>10/28/2020</a:t>
             </a:fld>
             <a:endParaRPr lang="en-US"/>
           </a:p>
@@ -3604,7 +3604,7 @@
           <a:p>
             <a:fld id="{3881C039-66A3-4640-815B-3B5A8B7D868D}" type="datetimeFigureOut">
               <a:rPr lang="en-US" smtClean="0"/>
-              <a:t>10/27/2019</a:t>
+              <a:t>10/28/2020</a:t>
             </a:fld>
             <a:endParaRPr lang="en-US"/>
           </a:p>
@@ -3774,7 +3774,7 @@
           <a:p>
             <a:fld id="{3881C039-66A3-4640-815B-3B5A8B7D868D}" type="datetimeFigureOut">
               <a:rPr lang="en-US" smtClean="0"/>
-              <a:t>10/27/2019</a:t>
+              <a:t>10/28/2020</a:t>
             </a:fld>
             <a:endParaRPr lang="en-US"/>
           </a:p>
@@ -4018,7 +4018,7 @@
           <a:p>
             <a:fld id="{3881C039-66A3-4640-815B-3B5A8B7D868D}" type="datetimeFigureOut">
               <a:rPr lang="en-US" smtClean="0"/>
-              <a:t>10/27/2019</a:t>
+              <a:t>10/28/2020</a:t>
             </a:fld>
             <a:endParaRPr lang="en-US"/>
           </a:p>
@@ -4254,7 +4254,7 @@
           <a:p>
             <a:fld id="{3881C039-66A3-4640-815B-3B5A8B7D868D}" type="datetimeFigureOut">
               <a:rPr lang="en-US" smtClean="0"/>
-              <a:t>10/27/2019</a:t>
+              <a:t>10/28/2020</a:t>
             </a:fld>
             <a:endParaRPr lang="en-US"/>
           </a:p>
@@ -4720,7 +4720,7 @@
           <a:p>
             <a:fld id="{3881C039-66A3-4640-815B-3B5A8B7D868D}" type="datetimeFigureOut">
               <a:rPr lang="en-US" smtClean="0"/>
-              <a:t>10/27/2019</a:t>
+              <a:t>10/28/2020</a:t>
             </a:fld>
             <a:endParaRPr lang="en-US"/>
           </a:p>
@@ -4838,7 +4838,7 @@
           <a:p>
             <a:fld id="{3881C039-66A3-4640-815B-3B5A8B7D868D}" type="datetimeFigureOut">
               <a:rPr lang="en-US" smtClean="0"/>
-              <a:t>10/27/2019</a:t>
+              <a:t>10/28/2020</a:t>
             </a:fld>
             <a:endParaRPr lang="en-US"/>
           </a:p>
@@ -4933,7 +4933,7 @@
           <a:p>
             <a:fld id="{3881C039-66A3-4640-815B-3B5A8B7D868D}" type="datetimeFigureOut">
               <a:rPr lang="en-US" smtClean="0"/>
-              <a:t>10/27/2019</a:t>
+              <a:t>10/28/2020</a:t>
             </a:fld>
             <a:endParaRPr lang="en-US"/>
           </a:p>
@@ -5188,7 +5188,7 @@
           <a:p>
             <a:fld id="{3881C039-66A3-4640-815B-3B5A8B7D868D}" type="datetimeFigureOut">
               <a:rPr lang="en-US" smtClean="0"/>
-              <a:t>10/27/2019</a:t>
+              <a:t>10/28/2020</a:t>
             </a:fld>
             <a:endParaRPr lang="en-US"/>
           </a:p>
@@ -5488,7 +5488,7 @@
           <a:p>
             <a:fld id="{3881C039-66A3-4640-815B-3B5A8B7D868D}" type="datetimeFigureOut">
               <a:rPr lang="en-US" smtClean="0"/>
-              <a:t>10/27/2019</a:t>
+              <a:t>10/28/2020</a:t>
             </a:fld>
             <a:endParaRPr lang="en-US"/>
           </a:p>
@@ -5722,7 +5722,7 @@
           <a:p>
             <a:fld id="{3881C039-66A3-4640-815B-3B5A8B7D868D}" type="datetimeFigureOut">
               <a:rPr lang="en-US" smtClean="0"/>
-              <a:t>10/27/2019</a:t>
+              <a:t>10/28/2020</a:t>
             </a:fld>
             <a:endParaRPr lang="en-US"/>
           </a:p>
@@ -7855,8 +7855,8 @@
           </a:graphicData>
         </a:graphic>
       </p:graphicFrame>
-      <mc:AlternateContent xmlns:mc="http://schemas.openxmlformats.org/markup-compatibility/2006">
-        <mc:Choice xmlns:a14="http://schemas.microsoft.com/office/drawing/2010/main" Requires="a14">
+      <mc:AlternateContent xmlns:mc="http://schemas.openxmlformats.org/markup-compatibility/2006" xmlns:a14="http://schemas.microsoft.com/office/drawing/2010/main">
+        <mc:Choice Requires="a14">
           <p:sp>
             <p:nvSpPr>
               <p:cNvPr id="12" name="TextBox 11">
@@ -7885,6 +7885,7 @@
               </a:bodyPr>
               <a:lstStyle/>
               <a:p>
+                <a:pPr/>
                 <a14:m>
                   <m:oMathPara xmlns:m="http://schemas.openxmlformats.org/officeDocument/2006/math">
                     <m:oMathParaPr>
@@ -7972,7 +7973,7 @@
             </p:txBody>
           </p:sp>
         </mc:Choice>
-        <mc:Fallback>
+        <mc:Fallback xmlns="">
           <p:sp>
             <p:nvSpPr>
               <p:cNvPr id="12" name="TextBox 11">
@@ -8017,8 +8018,8 @@
           </p:sp>
         </mc:Fallback>
       </mc:AlternateContent>
-      <mc:AlternateContent xmlns:mc="http://schemas.openxmlformats.org/markup-compatibility/2006">
-        <mc:Choice xmlns:a14="http://schemas.microsoft.com/office/drawing/2010/main" Requires="a14">
+      <mc:AlternateContent xmlns:mc="http://schemas.openxmlformats.org/markup-compatibility/2006" xmlns:a14="http://schemas.microsoft.com/office/drawing/2010/main">
+        <mc:Choice Requires="a14">
           <p:sp>
             <p:nvSpPr>
               <p:cNvPr id="13" name="TextBox 12">
@@ -8047,6 +8048,7 @@
               </a:bodyPr>
               <a:lstStyle/>
               <a:p>
+                <a:pPr/>
                 <a14:m>
                   <m:oMathPara xmlns:m="http://schemas.openxmlformats.org/officeDocument/2006/math">
                     <m:oMathParaPr>
@@ -8104,7 +8106,7 @@
             </p:txBody>
           </p:sp>
         </mc:Choice>
-        <mc:Fallback>
+        <mc:Fallback xmlns="">
           <p:sp>
             <p:nvSpPr>
               <p:cNvPr id="13" name="TextBox 12">
@@ -8859,88 +8861,9 @@
                     <a:srgbClr val="D34817"/>
                   </a:buClr>
                   <a:buSzPct val="100000"/>
-                  <a:buFont typeface="Wingdings" panose="05000000000000000000" pitchFamily="2" charset="2"/>
-                  <a:buChar char="v"/>
+                  <a:buNone/>
                 </a:pPr>
                 <a:endParaRPr lang="en-US" sz="2000" dirty="0">
-                  <a:solidFill>
-                    <a:schemeClr val="bg2">
-                      <a:lumMod val="10000"/>
-                      <a:lumOff val="90000"/>
-                    </a:schemeClr>
-                  </a:solidFill>
-                  <a:effectLst/>
-                  <a:latin typeface="Selawik Semibold" panose="020B0702040204020203" pitchFamily="34" charset="0"/>
-                </a:endParaRPr>
-              </a:p>
-              <a:p>
-                <a:pPr marL="377100" lvl="1" indent="0">
-                  <a:spcBef>
-                    <a:spcPts val="0"/>
-                  </a:spcBef>
-                  <a:spcAft>
-                    <a:spcPts val="0"/>
-                  </a:spcAft>
-                  <a:buClr>
-                    <a:srgbClr val="D34817"/>
-                  </a:buClr>
-                  <a:buSzPct val="100000"/>
-                  <a:buFont typeface="Wingdings" panose="05000000000000000000" pitchFamily="2" charset="2"/>
-                  <a:buChar char="v"/>
-                </a:pPr>
-                <a:endParaRPr lang="en-US" sz="2000" dirty="0">
-                  <a:solidFill>
-                    <a:schemeClr val="bg2">
-                      <a:lumMod val="10000"/>
-                      <a:lumOff val="90000"/>
-                    </a:schemeClr>
-                  </a:solidFill>
-                  <a:effectLst/>
-                  <a:latin typeface="Selawik Semibold" panose="020B0702040204020203" pitchFamily="34" charset="0"/>
-                </a:endParaRPr>
-              </a:p>
-              <a:p>
-                <a:pPr marL="377100" lvl="1" indent="0">
-                  <a:spcBef>
-                    <a:spcPts val="0"/>
-                  </a:spcBef>
-                  <a:spcAft>
-                    <a:spcPts val="0"/>
-                  </a:spcAft>
-                  <a:buClr>
-                    <a:srgbClr val="D34817"/>
-                  </a:buClr>
-                  <a:buSzPct val="100000"/>
-                  <a:buFont typeface="Wingdings" panose="05000000000000000000" pitchFamily="2" charset="2"/>
-                  <a:buChar char="v"/>
-                </a:pPr>
-                <a:endParaRPr lang="en-US" sz="2000" dirty="0">
-                  <a:solidFill>
-                    <a:schemeClr val="bg2">
-                      <a:lumMod val="10000"/>
-                      <a:lumOff val="90000"/>
-                    </a:schemeClr>
-                  </a:solidFill>
-                  <a:effectLst/>
-                  <a:latin typeface="Selawik Semibold" panose="020B0702040204020203" pitchFamily="34" charset="0"/>
-                </a:endParaRPr>
-              </a:p>
-              <a:p>
-                <a:pPr marL="0" indent="0">
-                  <a:spcBef>
-                    <a:spcPts val="0"/>
-                  </a:spcBef>
-                  <a:spcAft>
-                    <a:spcPts val="0"/>
-                  </a:spcAft>
-                  <a:buClr>
-                    <a:srgbClr val="D34817"/>
-                  </a:buClr>
-                  <a:buSzPct val="100000"/>
-                  <a:buFont typeface="Wingdings" panose="05000000000000000000" pitchFamily="2" charset="2"/>
-                  <a:buChar char="v"/>
-                </a:pPr>
-                <a:endParaRPr lang="en-US" dirty="0">
                   <a:solidFill>
                     <a:schemeClr val="bg2">
                       <a:lumMod val="10000"/>
@@ -10890,8 +10813,8 @@
           </a:p>
         </p:txBody>
       </p:sp>
-      <mc:AlternateContent xmlns:mc="http://schemas.openxmlformats.org/markup-compatibility/2006">
-        <mc:Choice xmlns:a14="http://schemas.microsoft.com/office/drawing/2010/main" Requires="a14">
+      <mc:AlternateContent xmlns:mc="http://schemas.openxmlformats.org/markup-compatibility/2006" xmlns:a14="http://schemas.microsoft.com/office/drawing/2010/main">
+        <mc:Choice Requires="a14">
           <p:sp>
             <p:nvSpPr>
               <p:cNvPr id="24" name="Content Placeholder 2">
@@ -11770,7 +11693,7 @@
             </p:txBody>
           </p:sp>
         </mc:Choice>
-        <mc:Fallback>
+        <mc:Fallback xmlns="">
           <p:sp>
             <p:nvSpPr>
               <p:cNvPr id="24" name="Content Placeholder 2">
@@ -14273,7 +14196,7 @@
                 <a:effectLst/>
                 <a:latin typeface="Selawik Semibold" panose="020B0702040204020203" pitchFamily="34" charset="0"/>
               </a:rPr>
-              <a:t>Defense Could Defend Offense Every Time</a:t>
+              <a:t>Defense Could Defend Passing Every Time</a:t>
             </a:r>
           </a:p>
           <a:p>
@@ -14768,8 +14691,8 @@
           </a:p>
         </p:txBody>
       </p:sp>
-      <mc:AlternateContent xmlns:mc="http://schemas.openxmlformats.org/markup-compatibility/2006">
-        <mc:Choice xmlns:a14="http://schemas.microsoft.com/office/drawing/2010/main" Requires="a14">
+      <mc:AlternateContent xmlns:mc="http://schemas.openxmlformats.org/markup-compatibility/2006" xmlns:a14="http://schemas.microsoft.com/office/drawing/2010/main">
+        <mc:Choice Requires="a14">
           <p:sp>
             <p:nvSpPr>
               <p:cNvPr id="24" name="Content Placeholder 2">
@@ -15186,7 +15109,7 @@
             </p:txBody>
           </p:sp>
         </mc:Choice>
-        <mc:Fallback>
+        <mc:Fallback xmlns="">
           <p:sp>
             <p:nvSpPr>
               <p:cNvPr id="24" name="Content Placeholder 2">
@@ -15458,8 +15381,8 @@
           </a:prstGeom>
         </p:spPr>
       </p:pic>
-      <mc:AlternateContent xmlns:mc="http://schemas.openxmlformats.org/markup-compatibility/2006">
-        <mc:Choice xmlns:a14="http://schemas.microsoft.com/office/drawing/2010/main" Requires="a14">
+      <mc:AlternateContent xmlns:mc="http://schemas.openxmlformats.org/markup-compatibility/2006" xmlns:a14="http://schemas.microsoft.com/office/drawing/2010/main">
+        <mc:Choice Requires="a14">
           <p:sp>
             <p:nvSpPr>
               <p:cNvPr id="2" name="TextBox 1">
@@ -15488,6 +15411,7 @@
               </a:bodyPr>
               <a:lstStyle/>
               <a:p>
+                <a:pPr/>
                 <a14:m>
                   <m:oMathPara xmlns:m="http://schemas.openxmlformats.org/officeDocument/2006/math">
                     <m:oMathParaPr>
@@ -15623,7 +15547,7 @@
             </p:txBody>
           </p:sp>
         </mc:Choice>
-        <mc:Fallback>
+        <mc:Fallback xmlns="">
           <p:sp>
             <p:nvSpPr>
               <p:cNvPr id="2" name="TextBox 1">
@@ -15668,8 +15592,8 @@
           </p:sp>
         </mc:Fallback>
       </mc:AlternateContent>
-      <mc:AlternateContent xmlns:mc="http://schemas.openxmlformats.org/markup-compatibility/2006">
-        <mc:Choice xmlns:a14="http://schemas.microsoft.com/office/drawing/2010/main" Requires="a14">
+      <mc:AlternateContent xmlns:mc="http://schemas.openxmlformats.org/markup-compatibility/2006" xmlns:a14="http://schemas.microsoft.com/office/drawing/2010/main">
+        <mc:Choice Requires="a14">
           <p:sp>
             <p:nvSpPr>
               <p:cNvPr id="13" name="TextBox 12">
@@ -15698,6 +15622,7 @@
               </a:bodyPr>
               <a:lstStyle/>
               <a:p>
+                <a:pPr/>
                 <a14:m>
                   <m:oMathPara xmlns:m="http://schemas.openxmlformats.org/officeDocument/2006/math">
                     <m:oMathParaPr>
@@ -15827,7 +15752,7 @@
             </p:txBody>
           </p:sp>
         </mc:Choice>
-        <mc:Fallback>
+        <mc:Fallback xmlns="">
           <p:sp>
             <p:nvSpPr>
               <p:cNvPr id="13" name="TextBox 12">
@@ -15872,8 +15797,8 @@
           </p:sp>
         </mc:Fallback>
       </mc:AlternateContent>
-      <mc:AlternateContent xmlns:mc="http://schemas.openxmlformats.org/markup-compatibility/2006">
-        <mc:Choice xmlns:a14="http://schemas.microsoft.com/office/drawing/2010/main" Requires="a14">
+      <mc:AlternateContent xmlns:mc="http://schemas.openxmlformats.org/markup-compatibility/2006" xmlns:a14="http://schemas.microsoft.com/office/drawing/2010/main">
+        <mc:Choice Requires="a14">
           <p:sp>
             <p:nvSpPr>
               <p:cNvPr id="14" name="TextBox 13">
@@ -15902,6 +15827,7 @@
               </a:bodyPr>
               <a:lstStyle/>
               <a:p>
+                <a:pPr/>
                 <a14:m>
                   <m:oMathPara xmlns:m="http://schemas.openxmlformats.org/officeDocument/2006/math">
                     <m:oMathParaPr>
@@ -15965,6 +15891,7 @@
                 <a:endParaRPr lang="en-US" sz="2000" b="0" dirty="0"/>
               </a:p>
               <a:p>
+                <a:pPr/>
                 <a14:m>
                   <m:oMathPara xmlns:m="http://schemas.openxmlformats.org/officeDocument/2006/math">
                     <m:oMathParaPr>
@@ -16036,7 +15963,7 @@
             </p:txBody>
           </p:sp>
         </mc:Choice>
-        <mc:Fallback>
+        <mc:Fallback xmlns="">
           <p:sp>
             <p:nvSpPr>
               <p:cNvPr id="14" name="TextBox 13">
@@ -16081,8 +16008,8 @@
           </p:sp>
         </mc:Fallback>
       </mc:AlternateContent>
-      <mc:AlternateContent xmlns:mc="http://schemas.openxmlformats.org/markup-compatibility/2006">
-        <mc:Choice xmlns:a14="http://schemas.microsoft.com/office/drawing/2010/main" Requires="a14">
+      <mc:AlternateContent xmlns:mc="http://schemas.openxmlformats.org/markup-compatibility/2006" xmlns:a14="http://schemas.microsoft.com/office/drawing/2010/main">
+        <mc:Choice Requires="a14">
           <p:sp>
             <p:nvSpPr>
               <p:cNvPr id="15" name="TextBox 14">
@@ -16111,6 +16038,7 @@
               </a:bodyPr>
               <a:lstStyle/>
               <a:p>
+                <a:pPr/>
                 <a14:m>
                   <m:oMathPara xmlns:m="http://schemas.openxmlformats.org/officeDocument/2006/math">
                     <m:oMathParaPr>
@@ -16176,6 +16104,7 @@
                 </a:endParaRPr>
               </a:p>
               <a:p>
+                <a:pPr/>
                 <a14:m>
                   <m:oMathPara xmlns:m="http://schemas.openxmlformats.org/officeDocument/2006/math">
                     <m:oMathParaPr>
@@ -16247,7 +16176,7 @@
             </p:txBody>
           </p:sp>
         </mc:Choice>
-        <mc:Fallback>
+        <mc:Fallback xmlns="">
           <p:sp>
             <p:nvSpPr>
               <p:cNvPr id="15" name="TextBox 14">
@@ -17160,8 +17089,8 @@
           </a:prstGeom>
         </p:spPr>
       </p:pic>
-      <mc:AlternateContent xmlns:mc="http://schemas.openxmlformats.org/markup-compatibility/2006">
-        <mc:Choice xmlns:a14="http://schemas.microsoft.com/office/drawing/2010/main" Requires="a14">
+      <mc:AlternateContent xmlns:mc="http://schemas.openxmlformats.org/markup-compatibility/2006" xmlns:a14="http://schemas.microsoft.com/office/drawing/2010/main">
+        <mc:Choice Requires="a14">
           <p:sp>
             <p:nvSpPr>
               <p:cNvPr id="16" name="TextBox 15">
@@ -17190,6 +17119,7 @@
               </a:bodyPr>
               <a:lstStyle/>
               <a:p>
+                <a:pPr/>
                 <a14:m>
                   <m:oMathPara xmlns:m="http://schemas.openxmlformats.org/officeDocument/2006/math">
                     <m:oMathParaPr>
@@ -17348,7 +17278,7 @@
             </p:txBody>
           </p:sp>
         </mc:Choice>
-        <mc:Fallback>
+        <mc:Fallback xmlns="">
           <p:sp>
             <p:nvSpPr>
               <p:cNvPr id="16" name="TextBox 15">
@@ -17393,8 +17323,8 @@
           </p:sp>
         </mc:Fallback>
       </mc:AlternateContent>
-      <mc:AlternateContent xmlns:mc="http://schemas.openxmlformats.org/markup-compatibility/2006">
-        <mc:Choice xmlns:a14="http://schemas.microsoft.com/office/drawing/2010/main" Requires="a14">
+      <mc:AlternateContent xmlns:mc="http://schemas.openxmlformats.org/markup-compatibility/2006" xmlns:a14="http://schemas.microsoft.com/office/drawing/2010/main">
+        <mc:Choice Requires="a14">
           <p:sp>
             <p:nvSpPr>
               <p:cNvPr id="18" name="TextBox 17">
@@ -17423,6 +17353,7 @@
               </a:bodyPr>
               <a:lstStyle/>
               <a:p>
+                <a:pPr/>
                 <a14:m>
                   <m:oMathPara xmlns:m="http://schemas.openxmlformats.org/officeDocument/2006/math">
                     <m:oMathParaPr>
@@ -17461,7 +17392,7 @@
             </p:txBody>
           </p:sp>
         </mc:Choice>
-        <mc:Fallback>
+        <mc:Fallback xmlns="">
           <p:sp>
             <p:nvSpPr>
               <p:cNvPr id="18" name="TextBox 17">
@@ -17506,8 +17437,8 @@
           </p:sp>
         </mc:Fallback>
       </mc:AlternateContent>
-      <mc:AlternateContent xmlns:mc="http://schemas.openxmlformats.org/markup-compatibility/2006">
-        <mc:Choice xmlns:a14="http://schemas.microsoft.com/office/drawing/2010/main" Requires="a14">
+      <mc:AlternateContent xmlns:mc="http://schemas.openxmlformats.org/markup-compatibility/2006" xmlns:a14="http://schemas.microsoft.com/office/drawing/2010/main">
+        <mc:Choice Requires="a14">
           <p:sp>
             <p:nvSpPr>
               <p:cNvPr id="19" name="TextBox 18">
@@ -17536,6 +17467,7 @@
               </a:bodyPr>
               <a:lstStyle/>
               <a:p>
+                <a:pPr/>
                 <a14:m>
                   <m:oMathPara xmlns:m="http://schemas.openxmlformats.org/officeDocument/2006/math">
                     <m:oMathParaPr>
@@ -17568,7 +17500,7 @@
             </p:txBody>
           </p:sp>
         </mc:Choice>
-        <mc:Fallback>
+        <mc:Fallback xmlns="">
           <p:sp>
             <p:nvSpPr>
               <p:cNvPr id="19" name="TextBox 18">
@@ -19511,8 +19443,8 @@
           </a:p>
         </p:txBody>
       </p:sp>
-      <mc:AlternateContent xmlns:mc="http://schemas.openxmlformats.org/markup-compatibility/2006">
-        <mc:Choice xmlns:a14="http://schemas.microsoft.com/office/drawing/2010/main" Requires="a14">
+      <mc:AlternateContent xmlns:mc="http://schemas.openxmlformats.org/markup-compatibility/2006" xmlns:a14="http://schemas.microsoft.com/office/drawing/2010/main">
+        <mc:Choice Requires="a14">
           <p:sp>
             <p:nvSpPr>
               <p:cNvPr id="24" name="Content Placeholder 2">
@@ -19871,7 +19803,7 @@
             </p:txBody>
           </p:sp>
         </mc:Choice>
-        <mc:Fallback>
+        <mc:Fallback xmlns="">
           <p:sp>
             <p:nvSpPr>
               <p:cNvPr id="24" name="Content Placeholder 2">
@@ -20143,8 +20075,8 @@
           </a:prstGeom>
         </p:spPr>
       </p:pic>
-      <mc:AlternateContent xmlns:mc="http://schemas.openxmlformats.org/markup-compatibility/2006">
-        <mc:Choice xmlns:a14="http://schemas.microsoft.com/office/drawing/2010/main" Requires="a14">
+      <mc:AlternateContent xmlns:mc="http://schemas.openxmlformats.org/markup-compatibility/2006" xmlns:a14="http://schemas.microsoft.com/office/drawing/2010/main">
+        <mc:Choice Requires="a14">
           <p:sp>
             <p:nvSpPr>
               <p:cNvPr id="20" name="TextBox 19">
@@ -20173,6 +20105,7 @@
               </a:bodyPr>
               <a:lstStyle/>
               <a:p>
+                <a:pPr/>
                 <a14:m>
                   <m:oMathPara xmlns:m="http://schemas.openxmlformats.org/officeDocument/2006/math">
                     <m:oMathParaPr>
@@ -20308,7 +20241,7 @@
             </p:txBody>
           </p:sp>
         </mc:Choice>
-        <mc:Fallback>
+        <mc:Fallback xmlns="">
           <p:sp>
             <p:nvSpPr>
               <p:cNvPr id="20" name="TextBox 19">
@@ -20353,8 +20286,8 @@
           </p:sp>
         </mc:Fallback>
       </mc:AlternateContent>
-      <mc:AlternateContent xmlns:mc="http://schemas.openxmlformats.org/markup-compatibility/2006">
-        <mc:Choice xmlns:a14="http://schemas.microsoft.com/office/drawing/2010/main" Requires="a14">
+      <mc:AlternateContent xmlns:mc="http://schemas.openxmlformats.org/markup-compatibility/2006" xmlns:a14="http://schemas.microsoft.com/office/drawing/2010/main">
+        <mc:Choice Requires="a14">
           <p:sp>
             <p:nvSpPr>
               <p:cNvPr id="23" name="TextBox 22">
@@ -20383,6 +20316,7 @@
               </a:bodyPr>
               <a:lstStyle/>
               <a:p>
+                <a:pPr/>
                 <a14:m>
                   <m:oMathPara xmlns:m="http://schemas.openxmlformats.org/officeDocument/2006/math">
                     <m:oMathParaPr>
@@ -20512,7 +20446,7 @@
             </p:txBody>
           </p:sp>
         </mc:Choice>
-        <mc:Fallback>
+        <mc:Fallback xmlns="">
           <p:sp>
             <p:nvSpPr>
               <p:cNvPr id="23" name="TextBox 22">
@@ -20875,8 +20809,8 @@
           </a:p>
         </p:txBody>
       </p:sp>
-      <mc:AlternateContent xmlns:mc="http://schemas.openxmlformats.org/markup-compatibility/2006">
-        <mc:Choice xmlns:a14="http://schemas.microsoft.com/office/drawing/2010/main" Requires="a14">
+      <mc:AlternateContent xmlns:mc="http://schemas.openxmlformats.org/markup-compatibility/2006" xmlns:a14="http://schemas.microsoft.com/office/drawing/2010/main">
+        <mc:Choice Requires="a14">
           <p:sp>
             <p:nvSpPr>
               <p:cNvPr id="24" name="Content Placeholder 2">
@@ -21473,7 +21407,7 @@
             </p:txBody>
           </p:sp>
         </mc:Choice>
-        <mc:Fallback>
+        <mc:Fallback xmlns="">
           <p:sp>
             <p:nvSpPr>
               <p:cNvPr id="24" name="Content Placeholder 2">

--- a/Slides/Football 6/Footballl_6_Lecture.pptx
+++ b/Slides/Football 6/Footballl_6_Lecture.pptx
@@ -222,7 +222,7 @@
           <a:p>
             <a:fld id="{C04E5E84-956F-4423-97B3-5936A6D8EEEE}" type="datetimeFigureOut">
               <a:rPr lang="en-US" smtClean="0"/>
-              <a:t>10/28/2020</a:t>
+              <a:t>4/14/2021</a:t>
             </a:fld>
             <a:endParaRPr lang="en-US"/>
           </a:p>
@@ -674,7 +674,7 @@
           <a:p>
             <a:fld id="{3881C039-66A3-4640-815B-3B5A8B7D868D}" type="datetimeFigureOut">
               <a:rPr lang="en-US" smtClean="0"/>
-              <a:t>10/28/2020</a:t>
+              <a:t>4/14/2021</a:t>
             </a:fld>
             <a:endParaRPr lang="en-US"/>
           </a:p>
@@ -972,7 +972,7 @@
           <a:p>
             <a:fld id="{3881C039-66A3-4640-815B-3B5A8B7D868D}" type="datetimeFigureOut">
               <a:rPr lang="en-US" smtClean="0"/>
-              <a:t>10/28/2020</a:t>
+              <a:t>4/14/2021</a:t>
             </a:fld>
             <a:endParaRPr lang="en-US"/>
           </a:p>
@@ -1164,7 +1164,7 @@
           <a:p>
             <a:fld id="{3881C039-66A3-4640-815B-3B5A8B7D868D}" type="datetimeFigureOut">
               <a:rPr lang="en-US" smtClean="0"/>
-              <a:t>10/28/2020</a:t>
+              <a:t>4/14/2021</a:t>
             </a:fld>
             <a:endParaRPr lang="en-US"/>
           </a:p>
@@ -1425,7 +1425,7 @@
           <a:p>
             <a:fld id="{3881C039-66A3-4640-815B-3B5A8B7D868D}" type="datetimeFigureOut">
               <a:rPr lang="en-US" smtClean="0"/>
-              <a:t>10/28/2020</a:t>
+              <a:t>4/14/2021</a:t>
             </a:fld>
             <a:endParaRPr lang="en-US"/>
           </a:p>
@@ -1849,7 +1849,7 @@
           <a:p>
             <a:fld id="{3881C039-66A3-4640-815B-3B5A8B7D868D}" type="datetimeFigureOut">
               <a:rPr lang="en-US" smtClean="0"/>
-              <a:t>10/28/2020</a:t>
+              <a:t>4/14/2021</a:t>
             </a:fld>
             <a:endParaRPr lang="en-US"/>
           </a:p>
@@ -2386,7 +2386,7 @@
           <a:p>
             <a:fld id="{3881C039-66A3-4640-815B-3B5A8B7D868D}" type="datetimeFigureOut">
               <a:rPr lang="en-US" smtClean="0"/>
-              <a:t>10/28/2020</a:t>
+              <a:t>4/14/2021</a:t>
             </a:fld>
             <a:endParaRPr lang="en-US"/>
           </a:p>
@@ -3250,7 +3250,7 @@
           <a:p>
             <a:fld id="{3881C039-66A3-4640-815B-3B5A8B7D868D}" type="datetimeFigureOut">
               <a:rPr lang="en-US" smtClean="0"/>
-              <a:t>10/28/2020</a:t>
+              <a:t>4/14/2021</a:t>
             </a:fld>
             <a:endParaRPr lang="en-US"/>
           </a:p>
@@ -3420,7 +3420,7 @@
           <a:p>
             <a:fld id="{3881C039-66A3-4640-815B-3B5A8B7D868D}" type="datetimeFigureOut">
               <a:rPr lang="en-US" smtClean="0"/>
-              <a:t>10/28/2020</a:t>
+              <a:t>4/14/2021</a:t>
             </a:fld>
             <a:endParaRPr lang="en-US"/>
           </a:p>
@@ -3604,7 +3604,7 @@
           <a:p>
             <a:fld id="{3881C039-66A3-4640-815B-3B5A8B7D868D}" type="datetimeFigureOut">
               <a:rPr lang="en-US" smtClean="0"/>
-              <a:t>10/28/2020</a:t>
+              <a:t>4/14/2021</a:t>
             </a:fld>
             <a:endParaRPr lang="en-US"/>
           </a:p>
@@ -3774,7 +3774,7 @@
           <a:p>
             <a:fld id="{3881C039-66A3-4640-815B-3B5A8B7D868D}" type="datetimeFigureOut">
               <a:rPr lang="en-US" smtClean="0"/>
-              <a:t>10/28/2020</a:t>
+              <a:t>4/14/2021</a:t>
             </a:fld>
             <a:endParaRPr lang="en-US"/>
           </a:p>
@@ -4018,7 +4018,7 @@
           <a:p>
             <a:fld id="{3881C039-66A3-4640-815B-3B5A8B7D868D}" type="datetimeFigureOut">
               <a:rPr lang="en-US" smtClean="0"/>
-              <a:t>10/28/2020</a:t>
+              <a:t>4/14/2021</a:t>
             </a:fld>
             <a:endParaRPr lang="en-US"/>
           </a:p>
@@ -4254,7 +4254,7 @@
           <a:p>
             <a:fld id="{3881C039-66A3-4640-815B-3B5A8B7D868D}" type="datetimeFigureOut">
               <a:rPr lang="en-US" smtClean="0"/>
-              <a:t>10/28/2020</a:t>
+              <a:t>4/14/2021</a:t>
             </a:fld>
             <a:endParaRPr lang="en-US"/>
           </a:p>
@@ -4720,7 +4720,7 @@
           <a:p>
             <a:fld id="{3881C039-66A3-4640-815B-3B5A8B7D868D}" type="datetimeFigureOut">
               <a:rPr lang="en-US" smtClean="0"/>
-              <a:t>10/28/2020</a:t>
+              <a:t>4/14/2021</a:t>
             </a:fld>
             <a:endParaRPr lang="en-US"/>
           </a:p>
@@ -4838,7 +4838,7 @@
           <a:p>
             <a:fld id="{3881C039-66A3-4640-815B-3B5A8B7D868D}" type="datetimeFigureOut">
               <a:rPr lang="en-US" smtClean="0"/>
-              <a:t>10/28/2020</a:t>
+              <a:t>4/14/2021</a:t>
             </a:fld>
             <a:endParaRPr lang="en-US"/>
           </a:p>
@@ -4933,7 +4933,7 @@
           <a:p>
             <a:fld id="{3881C039-66A3-4640-815B-3B5A8B7D868D}" type="datetimeFigureOut">
               <a:rPr lang="en-US" smtClean="0"/>
-              <a:t>10/28/2020</a:t>
+              <a:t>4/14/2021</a:t>
             </a:fld>
             <a:endParaRPr lang="en-US"/>
           </a:p>
@@ -5188,7 +5188,7 @@
           <a:p>
             <a:fld id="{3881C039-66A3-4640-815B-3B5A8B7D868D}" type="datetimeFigureOut">
               <a:rPr lang="en-US" smtClean="0"/>
-              <a:t>10/28/2020</a:t>
+              <a:t>4/14/2021</a:t>
             </a:fld>
             <a:endParaRPr lang="en-US"/>
           </a:p>
@@ -5488,7 +5488,7 @@
           <a:p>
             <a:fld id="{3881C039-66A3-4640-815B-3B5A8B7D868D}" type="datetimeFigureOut">
               <a:rPr lang="en-US" smtClean="0"/>
-              <a:t>10/28/2020</a:t>
+              <a:t>4/14/2021</a:t>
             </a:fld>
             <a:endParaRPr lang="en-US"/>
           </a:p>
@@ -5722,7 +5722,7 @@
           <a:p>
             <a:fld id="{3881C039-66A3-4640-815B-3B5A8B7D868D}" type="datetimeFigureOut">
               <a:rPr lang="en-US" smtClean="0"/>
-              <a:t>10/28/2020</a:t>
+              <a:t>4/14/2021</a:t>
             </a:fld>
             <a:endParaRPr lang="en-US"/>
           </a:p>
@@ -6545,8 +6545,31 @@
                 <a:effectLst/>
                 <a:latin typeface="Selawik Semibold" panose="020B0702040204020203" pitchFamily="34" charset="0"/>
               </a:rPr>
-              <a:t>Produced by Dr. Mario | UNC STOR 390</a:t>
+              <a:t>Produced by Dr. Mario | UNC </a:t>
             </a:r>
+            <a:r>
+              <a:rPr lang="en-US">
+                <a:ln>
+                  <a:noFill/>
+                </a:ln>
+                <a:solidFill>
+                  <a:srgbClr val="D34817"/>
+                </a:solidFill>
+                <a:effectLst/>
+                <a:latin typeface="Selawik Semibold" panose="020B0702040204020203" pitchFamily="34" charset="0"/>
+              </a:rPr>
+              <a:t>STOR 538</a:t>
+            </a:r>
+            <a:endParaRPr lang="en-US" dirty="0">
+              <a:ln>
+                <a:noFill/>
+              </a:ln>
+              <a:solidFill>
+                <a:srgbClr val="D34817"/>
+              </a:solidFill>
+              <a:effectLst/>
+              <a:latin typeface="Selawik Semibold" panose="020B0702040204020203" pitchFamily="34" charset="0"/>
+            </a:endParaRPr>
           </a:p>
         </p:txBody>
       </p:sp>
@@ -8489,8 +8512,8 @@
           </a:p>
         </p:txBody>
       </p:sp>
-      <mc:AlternateContent xmlns:mc="http://schemas.openxmlformats.org/markup-compatibility/2006">
-        <mc:Choice xmlns:a14="http://schemas.microsoft.com/office/drawing/2010/main" Requires="a14">
+      <mc:AlternateContent xmlns:mc="http://schemas.openxmlformats.org/markup-compatibility/2006" xmlns:a14="http://schemas.microsoft.com/office/drawing/2010/main">
+        <mc:Choice Requires="a14">
           <p:sp>
             <p:nvSpPr>
               <p:cNvPr id="24" name="Content Placeholder 2">
@@ -8877,7 +8900,7 @@
             </p:txBody>
           </p:sp>
         </mc:Choice>
-        <mc:Fallback>
+        <mc:Fallback xmlns="">
           <p:sp>
             <p:nvSpPr>
               <p:cNvPr id="24" name="Content Placeholder 2">

--- a/Slides/Football 6/Footballl_6_Lecture.pptx
+++ b/Slides/Football 6/Footballl_6_Lecture.pptx
@@ -222,7 +222,7 @@
           <a:p>
             <a:fld id="{C04E5E84-956F-4423-97B3-5936A6D8EEEE}" type="datetimeFigureOut">
               <a:rPr lang="en-US" smtClean="0"/>
-              <a:t>4/14/2021</a:t>
+              <a:t>11/3/2021</a:t>
             </a:fld>
             <a:endParaRPr lang="en-US"/>
           </a:p>
@@ -674,7 +674,7 @@
           <a:p>
             <a:fld id="{3881C039-66A3-4640-815B-3B5A8B7D868D}" type="datetimeFigureOut">
               <a:rPr lang="en-US" smtClean="0"/>
-              <a:t>4/14/2021</a:t>
+              <a:t>11/3/2021</a:t>
             </a:fld>
             <a:endParaRPr lang="en-US"/>
           </a:p>
@@ -972,7 +972,7 @@
           <a:p>
             <a:fld id="{3881C039-66A3-4640-815B-3B5A8B7D868D}" type="datetimeFigureOut">
               <a:rPr lang="en-US" smtClean="0"/>
-              <a:t>4/14/2021</a:t>
+              <a:t>11/3/2021</a:t>
             </a:fld>
             <a:endParaRPr lang="en-US"/>
           </a:p>
@@ -1164,7 +1164,7 @@
           <a:p>
             <a:fld id="{3881C039-66A3-4640-815B-3B5A8B7D868D}" type="datetimeFigureOut">
               <a:rPr lang="en-US" smtClean="0"/>
-              <a:t>4/14/2021</a:t>
+              <a:t>11/3/2021</a:t>
             </a:fld>
             <a:endParaRPr lang="en-US"/>
           </a:p>
@@ -1425,7 +1425,7 @@
           <a:p>
             <a:fld id="{3881C039-66A3-4640-815B-3B5A8B7D868D}" type="datetimeFigureOut">
               <a:rPr lang="en-US" smtClean="0"/>
-              <a:t>4/14/2021</a:t>
+              <a:t>11/3/2021</a:t>
             </a:fld>
             <a:endParaRPr lang="en-US"/>
           </a:p>
@@ -1849,7 +1849,7 @@
           <a:p>
             <a:fld id="{3881C039-66A3-4640-815B-3B5A8B7D868D}" type="datetimeFigureOut">
               <a:rPr lang="en-US" smtClean="0"/>
-              <a:t>4/14/2021</a:t>
+              <a:t>11/3/2021</a:t>
             </a:fld>
             <a:endParaRPr lang="en-US"/>
           </a:p>
@@ -2386,7 +2386,7 @@
           <a:p>
             <a:fld id="{3881C039-66A3-4640-815B-3B5A8B7D868D}" type="datetimeFigureOut">
               <a:rPr lang="en-US" smtClean="0"/>
-              <a:t>4/14/2021</a:t>
+              <a:t>11/3/2021</a:t>
             </a:fld>
             <a:endParaRPr lang="en-US"/>
           </a:p>
@@ -3250,7 +3250,7 @@
           <a:p>
             <a:fld id="{3881C039-66A3-4640-815B-3B5A8B7D868D}" type="datetimeFigureOut">
               <a:rPr lang="en-US" smtClean="0"/>
-              <a:t>4/14/2021</a:t>
+              <a:t>11/3/2021</a:t>
             </a:fld>
             <a:endParaRPr lang="en-US"/>
           </a:p>
@@ -3420,7 +3420,7 @@
           <a:p>
             <a:fld id="{3881C039-66A3-4640-815B-3B5A8B7D868D}" type="datetimeFigureOut">
               <a:rPr lang="en-US" smtClean="0"/>
-              <a:t>4/14/2021</a:t>
+              <a:t>11/3/2021</a:t>
             </a:fld>
             <a:endParaRPr lang="en-US"/>
           </a:p>
@@ -3604,7 +3604,7 @@
           <a:p>
             <a:fld id="{3881C039-66A3-4640-815B-3B5A8B7D868D}" type="datetimeFigureOut">
               <a:rPr lang="en-US" smtClean="0"/>
-              <a:t>4/14/2021</a:t>
+              <a:t>11/3/2021</a:t>
             </a:fld>
             <a:endParaRPr lang="en-US"/>
           </a:p>
@@ -3774,7 +3774,7 @@
           <a:p>
             <a:fld id="{3881C039-66A3-4640-815B-3B5A8B7D868D}" type="datetimeFigureOut">
               <a:rPr lang="en-US" smtClean="0"/>
-              <a:t>4/14/2021</a:t>
+              <a:t>11/3/2021</a:t>
             </a:fld>
             <a:endParaRPr lang="en-US"/>
           </a:p>
@@ -4018,7 +4018,7 @@
           <a:p>
             <a:fld id="{3881C039-66A3-4640-815B-3B5A8B7D868D}" type="datetimeFigureOut">
               <a:rPr lang="en-US" smtClean="0"/>
-              <a:t>4/14/2021</a:t>
+              <a:t>11/3/2021</a:t>
             </a:fld>
             <a:endParaRPr lang="en-US"/>
           </a:p>
@@ -4254,7 +4254,7 @@
           <a:p>
             <a:fld id="{3881C039-66A3-4640-815B-3B5A8B7D868D}" type="datetimeFigureOut">
               <a:rPr lang="en-US" smtClean="0"/>
-              <a:t>4/14/2021</a:t>
+              <a:t>11/3/2021</a:t>
             </a:fld>
             <a:endParaRPr lang="en-US"/>
           </a:p>
@@ -4720,7 +4720,7 @@
           <a:p>
             <a:fld id="{3881C039-66A3-4640-815B-3B5A8B7D868D}" type="datetimeFigureOut">
               <a:rPr lang="en-US" smtClean="0"/>
-              <a:t>4/14/2021</a:t>
+              <a:t>11/3/2021</a:t>
             </a:fld>
             <a:endParaRPr lang="en-US"/>
           </a:p>
@@ -4838,7 +4838,7 @@
           <a:p>
             <a:fld id="{3881C039-66A3-4640-815B-3B5A8B7D868D}" type="datetimeFigureOut">
               <a:rPr lang="en-US" smtClean="0"/>
-              <a:t>4/14/2021</a:t>
+              <a:t>11/3/2021</a:t>
             </a:fld>
             <a:endParaRPr lang="en-US"/>
           </a:p>
@@ -4933,7 +4933,7 @@
           <a:p>
             <a:fld id="{3881C039-66A3-4640-815B-3B5A8B7D868D}" type="datetimeFigureOut">
               <a:rPr lang="en-US" smtClean="0"/>
-              <a:t>4/14/2021</a:t>
+              <a:t>11/3/2021</a:t>
             </a:fld>
             <a:endParaRPr lang="en-US"/>
           </a:p>
@@ -5188,7 +5188,7 @@
           <a:p>
             <a:fld id="{3881C039-66A3-4640-815B-3B5A8B7D868D}" type="datetimeFigureOut">
               <a:rPr lang="en-US" smtClean="0"/>
-              <a:t>4/14/2021</a:t>
+              <a:t>11/3/2021</a:t>
             </a:fld>
             <a:endParaRPr lang="en-US"/>
           </a:p>
@@ -5488,7 +5488,7 @@
           <a:p>
             <a:fld id="{3881C039-66A3-4640-815B-3B5A8B7D868D}" type="datetimeFigureOut">
               <a:rPr lang="en-US" smtClean="0"/>
-              <a:t>4/14/2021</a:t>
+              <a:t>11/3/2021</a:t>
             </a:fld>
             <a:endParaRPr lang="en-US"/>
           </a:p>
@@ -5722,7 +5722,7 @@
           <a:p>
             <a:fld id="{3881C039-66A3-4640-815B-3B5A8B7D868D}" type="datetimeFigureOut">
               <a:rPr lang="en-US" smtClean="0"/>
-              <a:t>4/14/2021</a:t>
+              <a:t>11/3/2021</a:t>
             </a:fld>
             <a:endParaRPr lang="en-US"/>
           </a:p>
@@ -20832,8 +20832,8 @@
           </a:p>
         </p:txBody>
       </p:sp>
-      <mc:AlternateContent xmlns:mc="http://schemas.openxmlformats.org/markup-compatibility/2006" xmlns:a14="http://schemas.microsoft.com/office/drawing/2010/main">
-        <mc:Choice Requires="a14">
+      <mc:AlternateContent xmlns:mc="http://schemas.openxmlformats.org/markup-compatibility/2006">
+        <mc:Choice xmlns:a14="http://schemas.microsoft.com/office/drawing/2010/main" Requires="a14">
           <p:sp>
             <p:nvSpPr>
               <p:cNvPr id="24" name="Content Placeholder 2">
@@ -20945,7 +20945,33 @@
                     <a:effectLst/>
                     <a:latin typeface="Selawik Semibold" panose="020B0702040204020203" pitchFamily="34" charset="0"/>
                   </a:rPr>
-                  <a:t>No Matter What Defense Selects Expected Gain is 2.5 Yards</a:t>
+                  <a:t>No Matter </a:t>
+                </a:r>
+                <a:r>
+                  <a:rPr lang="en-US" sz="2000">
+                    <a:solidFill>
+                      <a:schemeClr val="bg2">
+                        <a:lumMod val="10000"/>
+                        <a:lumOff val="90000"/>
+                      </a:schemeClr>
+                    </a:solidFill>
+                    <a:effectLst/>
+                    <a:latin typeface="Selawik Semibold" panose="020B0702040204020203" pitchFamily="34" charset="0"/>
+                  </a:rPr>
+                  <a:t>What Offense </a:t>
+                </a:r>
+                <a:r>
+                  <a:rPr lang="en-US" sz="2000" dirty="0">
+                    <a:solidFill>
+                      <a:schemeClr val="bg2">
+                        <a:lumMod val="10000"/>
+                        <a:lumOff val="90000"/>
+                      </a:schemeClr>
+                    </a:solidFill>
+                    <a:effectLst/>
+                    <a:latin typeface="Selawik Semibold" panose="020B0702040204020203" pitchFamily="34" charset="0"/>
+                  </a:rPr>
+                  <a:t>Selects Expected Gain is 2.5 Yards</a:t>
                 </a:r>
               </a:p>
               <a:p>
@@ -21430,7 +21456,7 @@
             </p:txBody>
           </p:sp>
         </mc:Choice>
-        <mc:Fallback xmlns="">
+        <mc:Fallback>
           <p:sp>
             <p:nvSpPr>
               <p:cNvPr id="24" name="Content Placeholder 2">

--- a/Slides/Football 6/Footballl_6_Lecture.pptx
+++ b/Slides/Football 6/Footballl_6_Lecture.pptx
@@ -223,7 +223,7 @@
           <a:p>
             <a:fld id="{C04E5E84-956F-4423-97B3-5936A6D8EEEE}" type="datetimeFigureOut">
               <a:rPr lang="en-US" smtClean="0"/>
-              <a:t>4/11/2023</a:t>
+              <a:t>4/24/2024</a:t>
             </a:fld>
             <a:endParaRPr lang="en-US"/>
           </a:p>
@@ -675,7 +675,7 @@
           <a:p>
             <a:fld id="{3881C039-66A3-4640-815B-3B5A8B7D868D}" type="datetimeFigureOut">
               <a:rPr lang="en-US" smtClean="0"/>
-              <a:t>4/11/2023</a:t>
+              <a:t>4/24/2024</a:t>
             </a:fld>
             <a:endParaRPr lang="en-US"/>
           </a:p>
@@ -973,7 +973,7 @@
           <a:p>
             <a:fld id="{3881C039-66A3-4640-815B-3B5A8B7D868D}" type="datetimeFigureOut">
               <a:rPr lang="en-US" smtClean="0"/>
-              <a:t>4/11/2023</a:t>
+              <a:t>4/24/2024</a:t>
             </a:fld>
             <a:endParaRPr lang="en-US"/>
           </a:p>
@@ -1165,7 +1165,7 @@
           <a:p>
             <a:fld id="{3881C039-66A3-4640-815B-3B5A8B7D868D}" type="datetimeFigureOut">
               <a:rPr lang="en-US" smtClean="0"/>
-              <a:t>4/11/2023</a:t>
+              <a:t>4/24/2024</a:t>
             </a:fld>
             <a:endParaRPr lang="en-US"/>
           </a:p>
@@ -1426,7 +1426,7 @@
           <a:p>
             <a:fld id="{3881C039-66A3-4640-815B-3B5A8B7D868D}" type="datetimeFigureOut">
               <a:rPr lang="en-US" smtClean="0"/>
-              <a:t>4/11/2023</a:t>
+              <a:t>4/24/2024</a:t>
             </a:fld>
             <a:endParaRPr lang="en-US"/>
           </a:p>
@@ -1850,7 +1850,7 @@
           <a:p>
             <a:fld id="{3881C039-66A3-4640-815B-3B5A8B7D868D}" type="datetimeFigureOut">
               <a:rPr lang="en-US" smtClean="0"/>
-              <a:t>4/11/2023</a:t>
+              <a:t>4/24/2024</a:t>
             </a:fld>
             <a:endParaRPr lang="en-US"/>
           </a:p>
@@ -2387,7 +2387,7 @@
           <a:p>
             <a:fld id="{3881C039-66A3-4640-815B-3B5A8B7D868D}" type="datetimeFigureOut">
               <a:rPr lang="en-US" smtClean="0"/>
-              <a:t>4/11/2023</a:t>
+              <a:t>4/24/2024</a:t>
             </a:fld>
             <a:endParaRPr lang="en-US"/>
           </a:p>
@@ -3251,7 +3251,7 @@
           <a:p>
             <a:fld id="{3881C039-66A3-4640-815B-3B5A8B7D868D}" type="datetimeFigureOut">
               <a:rPr lang="en-US" smtClean="0"/>
-              <a:t>4/11/2023</a:t>
+              <a:t>4/24/2024</a:t>
             </a:fld>
             <a:endParaRPr lang="en-US"/>
           </a:p>
@@ -3421,7 +3421,7 @@
           <a:p>
             <a:fld id="{3881C039-66A3-4640-815B-3B5A8B7D868D}" type="datetimeFigureOut">
               <a:rPr lang="en-US" smtClean="0"/>
-              <a:t>4/11/2023</a:t>
+              <a:t>4/24/2024</a:t>
             </a:fld>
             <a:endParaRPr lang="en-US"/>
           </a:p>
@@ -3605,7 +3605,7 @@
           <a:p>
             <a:fld id="{3881C039-66A3-4640-815B-3B5A8B7D868D}" type="datetimeFigureOut">
               <a:rPr lang="en-US" smtClean="0"/>
-              <a:t>4/11/2023</a:t>
+              <a:t>4/24/2024</a:t>
             </a:fld>
             <a:endParaRPr lang="en-US"/>
           </a:p>
@@ -3775,7 +3775,7 @@
           <a:p>
             <a:fld id="{3881C039-66A3-4640-815B-3B5A8B7D868D}" type="datetimeFigureOut">
               <a:rPr lang="en-US" smtClean="0"/>
-              <a:t>4/11/2023</a:t>
+              <a:t>4/24/2024</a:t>
             </a:fld>
             <a:endParaRPr lang="en-US"/>
           </a:p>
@@ -4019,7 +4019,7 @@
           <a:p>
             <a:fld id="{3881C039-66A3-4640-815B-3B5A8B7D868D}" type="datetimeFigureOut">
               <a:rPr lang="en-US" smtClean="0"/>
-              <a:t>4/11/2023</a:t>
+              <a:t>4/24/2024</a:t>
             </a:fld>
             <a:endParaRPr lang="en-US"/>
           </a:p>
@@ -4255,7 +4255,7 @@
           <a:p>
             <a:fld id="{3881C039-66A3-4640-815B-3B5A8B7D868D}" type="datetimeFigureOut">
               <a:rPr lang="en-US" smtClean="0"/>
-              <a:t>4/11/2023</a:t>
+              <a:t>4/24/2024</a:t>
             </a:fld>
             <a:endParaRPr lang="en-US"/>
           </a:p>
@@ -4721,7 +4721,7 @@
           <a:p>
             <a:fld id="{3881C039-66A3-4640-815B-3B5A8B7D868D}" type="datetimeFigureOut">
               <a:rPr lang="en-US" smtClean="0"/>
-              <a:t>4/11/2023</a:t>
+              <a:t>4/24/2024</a:t>
             </a:fld>
             <a:endParaRPr lang="en-US"/>
           </a:p>
@@ -4839,7 +4839,7 @@
           <a:p>
             <a:fld id="{3881C039-66A3-4640-815B-3B5A8B7D868D}" type="datetimeFigureOut">
               <a:rPr lang="en-US" smtClean="0"/>
-              <a:t>4/11/2023</a:t>
+              <a:t>4/24/2024</a:t>
             </a:fld>
             <a:endParaRPr lang="en-US"/>
           </a:p>
@@ -4934,7 +4934,7 @@
           <a:p>
             <a:fld id="{3881C039-66A3-4640-815B-3B5A8B7D868D}" type="datetimeFigureOut">
               <a:rPr lang="en-US" smtClean="0"/>
-              <a:t>4/11/2023</a:t>
+              <a:t>4/24/2024</a:t>
             </a:fld>
             <a:endParaRPr lang="en-US"/>
           </a:p>
@@ -5189,7 +5189,7 @@
           <a:p>
             <a:fld id="{3881C039-66A3-4640-815B-3B5A8B7D868D}" type="datetimeFigureOut">
               <a:rPr lang="en-US" smtClean="0"/>
-              <a:t>4/11/2023</a:t>
+              <a:t>4/24/2024</a:t>
             </a:fld>
             <a:endParaRPr lang="en-US"/>
           </a:p>
@@ -5489,7 +5489,7 @@
           <a:p>
             <a:fld id="{3881C039-66A3-4640-815B-3B5A8B7D868D}" type="datetimeFigureOut">
               <a:rPr lang="en-US" smtClean="0"/>
-              <a:t>4/11/2023</a:t>
+              <a:t>4/24/2024</a:t>
             </a:fld>
             <a:endParaRPr lang="en-US"/>
           </a:p>
@@ -5723,7 +5723,7 @@
           <a:p>
             <a:fld id="{3881C039-66A3-4640-815B-3B5A8B7D868D}" type="datetimeFigureOut">
               <a:rPr lang="en-US" smtClean="0"/>
-              <a:t>4/11/2023</a:t>
+              <a:t>4/24/2024</a:t>
             </a:fld>
             <a:endParaRPr lang="en-US"/>
           </a:p>
@@ -12975,8 +12975,8 @@
           </p:sp>
         </mc:Fallback>
       </mc:AlternateContent>
-      <mc:AlternateContent xmlns:mc="http://schemas.openxmlformats.org/markup-compatibility/2006" xmlns:a14="http://schemas.microsoft.com/office/drawing/2010/main">
-        <mc:Choice Requires="a14">
+      <mc:AlternateContent xmlns:mc="http://schemas.openxmlformats.org/markup-compatibility/2006">
+        <mc:Choice xmlns:a14="http://schemas.microsoft.com/office/drawing/2010/main" Requires="a14">
           <p:sp>
             <p:nvSpPr>
               <p:cNvPr id="12" name="TextBox 11">
@@ -13069,6 +13069,30 @@
                             </a:rPr>
                             <m:t>𝑃𝑜𝑠𝑠𝑒𝑠𝑠𝑖𝑜𝑛</m:t>
                           </m:r>
+                          <m:r>
+                            <a:rPr lang="en-US" sz="2000" b="0" i="1" smtClean="0">
+                              <a:latin typeface="Cambria Math" panose="02040503050406030204" pitchFamily="18" charset="0"/>
+                            </a:rPr>
+                            <m:t> </m:t>
+                          </m:r>
+                          <m:r>
+                            <a:rPr lang="en-US" sz="2000" b="0" i="1" smtClean="0">
+                              <a:latin typeface="Cambria Math" panose="02040503050406030204" pitchFamily="18" charset="0"/>
+                            </a:rPr>
+                            <m:t>𝑜𝑟</m:t>
+                          </m:r>
+                          <m:r>
+                            <a:rPr lang="en-US" sz="2000" b="0" i="1" smtClean="0">
+                              <a:latin typeface="Cambria Math" panose="02040503050406030204" pitchFamily="18" charset="0"/>
+                            </a:rPr>
+                            <m:t> </m:t>
+                          </m:r>
+                          <m:r>
+                            <a:rPr lang="en-US" sz="2000" b="0" i="1" smtClean="0">
+                              <a:latin typeface="Cambria Math" panose="02040503050406030204" pitchFamily="18" charset="0"/>
+                            </a:rPr>
+                            <m:t>𝐿𝑎𝑡𝑒𝑟</m:t>
+                          </m:r>
                         </m:e>
                       </m:d>
                       <m:r>
@@ -13137,7 +13161,7 @@
             </p:txBody>
           </p:sp>
         </mc:Choice>
-        <mc:Fallback xmlns="">
+        <mc:Fallback>
           <p:sp>
             <p:nvSpPr>
               <p:cNvPr id="12" name="TextBox 11">
